--- a/mahayat_presentation.pptx
+++ b/mahayat_presentation.pptx
@@ -3395,7 +3395,7 @@
           <a:p>
             <a:r>
               <a:rPr lang="en-US" dirty="0"/>
-              <a:t>M A Hayat</a:t>
+              <a:t>M. A. Hayat</a:t>
             </a:r>
           </a:p>
           <a:p>
@@ -8385,7 +8385,7 @@
         </p:blipFill>
         <p:spPr>
           <a:xfrm>
-            <a:off x="4719482" y="1549001"/>
+            <a:off x="4719482" y="964210"/>
             <a:ext cx="3932452" cy="2949340"/>
           </a:xfrm>
           <a:prstGeom prst="rect">
@@ -8415,7 +8415,7 @@
         </p:blipFill>
         <p:spPr>
           <a:xfrm>
-            <a:off x="1075192" y="1549000"/>
+            <a:off x="936969" y="964210"/>
             <a:ext cx="3932452" cy="2949339"/>
           </a:xfrm>
           <a:prstGeom prst="rect">
@@ -8423,6 +8423,52 @@
           </a:prstGeom>
         </p:spPr>
       </p:pic>
+      <p:sp>
+        <p:nvSpPr>
+          <p:cNvPr id="6" name="TextBox 5">
+            <a:extLst>
+              <a:ext uri="{FF2B5EF4-FFF2-40B4-BE49-F238E27FC236}">
+                <a16:creationId xmlns:a16="http://schemas.microsoft.com/office/drawing/2014/main" id="{24F29B3A-F0E0-47DC-B537-49D984BCE105}"/>
+              </a:ext>
+            </a:extLst>
+          </p:cNvPr>
+          <p:cNvSpPr txBox="1"/>
+          <p:nvPr/>
+        </p:nvSpPr>
+        <p:spPr>
+          <a:xfrm>
+            <a:off x="3108298" y="4129900"/>
+            <a:ext cx="3522246" cy="646331"/>
+          </a:xfrm>
+          <a:prstGeom prst="rect">
+            <a:avLst/>
+          </a:prstGeom>
+          <a:noFill/>
+        </p:spPr>
+        <p:txBody>
+          <a:bodyPr wrap="none" rtlCol="0">
+            <a:spAutoFit/>
+          </a:bodyPr>
+          <a:lstStyle/>
+          <a:p>
+            <a:pPr algn="ctr"/>
+            <a:r>
+              <a:rPr lang="en-US" dirty="0"/>
+              <a:t>You can find the codes here:</a:t>
+            </a:r>
+          </a:p>
+          <a:p>
+            <a:pPr algn="ctr"/>
+            <a:r>
+              <a:rPr lang="en-US" dirty="0">
+                <a:hlinkClick r:id="rId4"/>
+              </a:rPr>
+              <a:t>https://github.com/mahayat/SCVW</a:t>
+            </a:r>
+            <a:endParaRPr lang="en-US" dirty="0"/>
+          </a:p>
+        </p:txBody>
+      </p:sp>
     </p:spTree>
     <p:extLst>
       <p:ext uri="{BB962C8B-B14F-4D97-AF65-F5344CB8AC3E}">
@@ -8475,10 +8521,9 @@
           <a:lstStyle/>
           <a:p>
             <a:r>
-              <a:rPr lang="en-US"/>
+              <a:rPr lang="en-US" dirty="0"/>
               <a:t>Questions?</a:t>
             </a:r>
-            <a:endParaRPr lang="en-US" dirty="0"/>
           </a:p>
         </p:txBody>
       </p:sp>
